--- a/Slides.pptx
+++ b/Slides.pptx
@@ -7,8 +7,9 @@
   <p:sldIdLst>
     <p:sldId id="256" r:id="rId2"/>
     <p:sldId id="266" r:id="rId3"/>
-    <p:sldId id="264" r:id="rId4"/>
-    <p:sldId id="265" r:id="rId5"/>
+    <p:sldId id="267" r:id="rId4"/>
+    <p:sldId id="264" r:id="rId5"/>
+    <p:sldId id="265" r:id="rId6"/>
   </p:sldIdLst>
   <p:sldSz cx="12192000" cy="6858000"/>
   <p:notesSz cx="6858000" cy="9144000"/>
@@ -3496,34 +3497,114 @@
           </a:p>
         </p:txBody>
       </p:sp>
-      <p:sp>
-        <p:nvSpPr>
-          <p:cNvPr id="3" name="Content Placeholder 2">
-            <a:extLst>
-              <a:ext uri="{FF2B5EF4-FFF2-40B4-BE49-F238E27FC236}">
-                <a16:creationId xmlns:a16="http://schemas.microsoft.com/office/drawing/2014/main" id="{0C4DFAB7-7047-834C-AF98-A1AD0313B51B}"/>
-              </a:ext>
-            </a:extLst>
-          </p:cNvPr>
-          <p:cNvSpPr>
-            <a:spLocks noGrp="1"/>
-          </p:cNvSpPr>
-          <p:nvPr>
-            <p:ph idx="1"/>
-          </p:nvPr>
-        </p:nvSpPr>
-        <p:spPr/>
-        <p:txBody>
-          <a:bodyPr/>
-          <a:lstStyle/>
-          <a:p>
-            <a:pPr marL="0" indent="0">
-              <a:buNone/>
-            </a:pPr>
-            <a:endParaRPr lang="en-US" dirty="0"/>
-          </a:p>
-        </p:txBody>
-      </p:sp>
+      <p:pic>
+        <p:nvPicPr>
+          <p:cNvPr id="5" name="Picture 4">
+            <a:extLst>
+              <a:ext uri="{FF2B5EF4-FFF2-40B4-BE49-F238E27FC236}">
+                <a16:creationId xmlns:a16="http://schemas.microsoft.com/office/drawing/2014/main" id="{EFE61164-4327-2C40-9AA2-5B8B8213B54E}"/>
+              </a:ext>
+            </a:extLst>
+          </p:cNvPr>
+          <p:cNvPicPr>
+            <a:picLocks noChangeAspect="1"/>
+          </p:cNvPicPr>
+          <p:nvPr/>
+        </p:nvPicPr>
+        <p:blipFill>
+          <a:blip r:embed="rId2">
+            <a:extLst>
+              <a:ext uri="{28A0092B-C50C-407E-A947-70E740481C1C}">
+                <a14:useLocalDpi xmlns:a14="http://schemas.microsoft.com/office/drawing/2010/main" val="0"/>
+              </a:ext>
+            </a:extLst>
+          </a:blip>
+          <a:stretch>
+            <a:fillRect/>
+          </a:stretch>
+        </p:blipFill>
+        <p:spPr>
+          <a:xfrm>
+            <a:off x="6096000" y="2500008"/>
+            <a:ext cx="5596822" cy="1325563"/>
+          </a:xfrm>
+          <a:prstGeom prst="rect">
+            <a:avLst/>
+          </a:prstGeom>
+        </p:spPr>
+      </p:pic>
+      <p:pic>
+        <p:nvPicPr>
+          <p:cNvPr id="7" name="Picture 6">
+            <a:extLst>
+              <a:ext uri="{FF2B5EF4-FFF2-40B4-BE49-F238E27FC236}">
+                <a16:creationId xmlns:a16="http://schemas.microsoft.com/office/drawing/2014/main" id="{0D76A18B-8A72-2848-9ACD-50D0292EE9E9}"/>
+              </a:ext>
+            </a:extLst>
+          </p:cNvPr>
+          <p:cNvPicPr>
+            <a:picLocks noChangeAspect="1"/>
+          </p:cNvPicPr>
+          <p:nvPr/>
+        </p:nvPicPr>
+        <p:blipFill>
+          <a:blip r:embed="rId3">
+            <a:extLst>
+              <a:ext uri="{28A0092B-C50C-407E-A947-70E740481C1C}">
+                <a14:useLocalDpi xmlns:a14="http://schemas.microsoft.com/office/drawing/2010/main" val="0"/>
+              </a:ext>
+            </a:extLst>
+          </a:blip>
+          <a:stretch>
+            <a:fillRect/>
+          </a:stretch>
+        </p:blipFill>
+        <p:spPr>
+          <a:xfrm>
+            <a:off x="838200" y="1639971"/>
+            <a:ext cx="4969106" cy="1720075"/>
+          </a:xfrm>
+          <a:prstGeom prst="rect">
+            <a:avLst/>
+          </a:prstGeom>
+        </p:spPr>
+      </p:pic>
+      <p:pic>
+        <p:nvPicPr>
+          <p:cNvPr id="9" name="Picture 8">
+            <a:extLst>
+              <a:ext uri="{FF2B5EF4-FFF2-40B4-BE49-F238E27FC236}">
+                <a16:creationId xmlns:a16="http://schemas.microsoft.com/office/drawing/2014/main" id="{B76DD31B-8995-8746-9CD9-106FB7CA07AE}"/>
+              </a:ext>
+            </a:extLst>
+          </p:cNvPr>
+          <p:cNvPicPr>
+            <a:picLocks noChangeAspect="1"/>
+          </p:cNvPicPr>
+          <p:nvPr/>
+        </p:nvPicPr>
+        <p:blipFill>
+          <a:blip r:embed="rId4">
+            <a:extLst>
+              <a:ext uri="{28A0092B-C50C-407E-A947-70E740481C1C}">
+                <a14:useLocalDpi xmlns:a14="http://schemas.microsoft.com/office/drawing/2010/main" val="0"/>
+              </a:ext>
+            </a:extLst>
+          </a:blip>
+          <a:stretch>
+            <a:fillRect/>
+          </a:stretch>
+        </p:blipFill>
+        <p:spPr>
+          <a:xfrm>
+            <a:off x="838200" y="4507393"/>
+            <a:ext cx="5461775" cy="1122832"/>
+          </a:xfrm>
+          <a:prstGeom prst="rect">
+            <a:avLst/>
+          </a:prstGeom>
+        </p:spPr>
+      </p:pic>
     </p:spTree>
     <p:extLst>
       <p:ext uri="{BB962C8B-B14F-4D97-AF65-F5344CB8AC3E}">
@@ -3556,6 +3637,64 @@
       </p:grpSpPr>
       <p:sp>
         <p:nvSpPr>
+          <p:cNvPr id="2" name="Title 1">
+            <a:extLst>
+              <a:ext uri="{FF2B5EF4-FFF2-40B4-BE49-F238E27FC236}">
+                <a16:creationId xmlns:a16="http://schemas.microsoft.com/office/drawing/2014/main" id="{67342BA4-BFB0-9645-AE15-3E5BFBF8300D}"/>
+              </a:ext>
+            </a:extLst>
+          </p:cNvPr>
+          <p:cNvSpPr>
+            <a:spLocks noGrp="1"/>
+          </p:cNvSpPr>
+          <p:nvPr>
+            <p:ph type="title"/>
+          </p:nvPr>
+        </p:nvSpPr>
+        <p:spPr/>
+        <p:txBody>
+          <a:bodyPr/>
+          <a:lstStyle/>
+          <a:p>
+            <a:r>
+              <a:rPr lang="en-GB" b="1" dirty="0"/>
+              <a:t>"Why Should I Trust You?"</a:t>
+            </a:r>
+          </a:p>
+        </p:txBody>
+      </p:sp>
+    </p:spTree>
+    <p:extLst>
+      <p:ext uri="{BB962C8B-B14F-4D97-AF65-F5344CB8AC3E}">
+        <p14:creationId xmlns:p14="http://schemas.microsoft.com/office/powerpoint/2010/main" val="1576246628"/>
+      </p:ext>
+    </p:extLst>
+  </p:cSld>
+  <p:clrMapOvr>
+    <a:masterClrMapping/>
+  </p:clrMapOvr>
+</p:sld>
+</file>
+
+<file path=ppt/slides/slide4.xml><?xml version="1.0" encoding="utf-8"?>
+<p:sld xmlns:a="http://schemas.openxmlformats.org/drawingml/2006/main" xmlns:r="http://schemas.openxmlformats.org/officeDocument/2006/relationships" xmlns:p="http://schemas.openxmlformats.org/presentationml/2006/main">
+  <p:cSld>
+    <p:spTree>
+      <p:nvGrpSpPr>
+        <p:cNvPr id="1" name=""/>
+        <p:cNvGrpSpPr/>
+        <p:nvPr/>
+      </p:nvGrpSpPr>
+      <p:grpSpPr>
+        <a:xfrm>
+          <a:off x="0" y="0"/>
+          <a:ext cx="0" cy="0"/>
+          <a:chOff x="0" y="0"/>
+          <a:chExt cx="0" cy="0"/>
+        </a:xfrm>
+      </p:grpSpPr>
+      <p:sp>
+        <p:nvSpPr>
           <p:cNvPr id="1024" name="Rectangle 1023">
             <a:extLst>
               <a:ext uri="{FF2B5EF4-FFF2-40B4-BE49-F238E27FC236}">
@@ -3628,7 +3767,7 @@
 </p:sld>
 </file>
 
-<file path=ppt/slides/slide4.xml><?xml version="1.0" encoding="utf-8"?>
+<file path=ppt/slides/slide5.xml><?xml version="1.0" encoding="utf-8"?>
 <p:sld xmlns:a="http://schemas.openxmlformats.org/drawingml/2006/main" xmlns:r="http://schemas.openxmlformats.org/officeDocument/2006/relationships" xmlns:p="http://schemas.openxmlformats.org/presentationml/2006/main">
   <p:cSld>
     <p:spTree>
